--- a/deliverables/SwTestPres.pptx
+++ b/deliverables/SwTestPres.pptx
@@ -5,7 +5,7 @@
     <p:sldMasterId id="2147483648" r:id="rId1"/>
   </p:sldMasterIdLst>
   <p:notesMasterIdLst>
-    <p:notesMasterId r:id="rId7"/>
+    <p:notesMasterId r:id="rId8"/>
   </p:notesMasterIdLst>
   <p:sldIdLst>
     <p:sldId id="256" r:id="rId2"/>
@@ -13,6 +13,7 @@
     <p:sldId id="258" r:id="rId4"/>
     <p:sldId id="259" r:id="rId5"/>
     <p:sldId id="260" r:id="rId6"/>
+    <p:sldId id="261" r:id="rId7"/>
   </p:sldIdLst>
   <p:sldSz cx="12192000" cy="6858000"/>
   <p:notesSz cx="6858000" cy="9144000"/>
@@ -111,6 +112,11 @@
       </a:defRPr>
     </a:lvl9pPr>
   </p:defaultTextStyle>
+  <p:extLst>
+    <p:ext uri="{EFAFB233-063F-42B5-8137-9DF3F51BA10A}">
+      <p15:sldGuideLst xmlns:p15="http://schemas.microsoft.com/office/powerpoint/2012/main"/>
+    </p:ext>
+  </p:extLst>
 </p:presentation>
 </file>
 
@@ -196,7 +202,7 @@
           <a:p>
             <a:fld id="{5EC4BB06-6A3B-F349-AC76-D37B5B153FF1}" type="datetimeFigureOut">
               <a:rPr lang="en-US" smtClean="0"/>
-              <a:t>8/5/18</a:t>
+              <a:t>8/10/18</a:t>
             </a:fld>
             <a:endParaRPr lang="en-US"/>
           </a:p>
@@ -973,7 +979,7 @@
           <a:p>
             <a:fld id="{4BDF68E2-58F2-4D09-BE8B-E3BD06533059}" type="datetimeFigureOut">
               <a:rPr lang="en-US" dirty="0"/>
-              <a:t>8/5/18</a:t>
+              <a:t>8/10/18</a:t>
             </a:fld>
             <a:endParaRPr lang="en-US" dirty="0"/>
           </a:p>
@@ -1176,7 +1182,7 @@
           <a:p>
             <a:fld id="{2E2D6473-DF6D-4702-B328-E0DD40540A4E}" type="datetimeFigureOut">
               <a:rPr lang="en-US" dirty="0"/>
-              <a:t>8/5/18</a:t>
+              <a:t>8/10/18</a:t>
             </a:fld>
             <a:endParaRPr lang="en-US" dirty="0"/>
           </a:p>
@@ -1427,7 +1433,7 @@
           <a:p>
             <a:fld id="{E26F7E3A-B166-407D-9866-32884E7D5B37}" type="datetimeFigureOut">
               <a:rPr lang="en-US" dirty="0"/>
-              <a:t>8/5/18</a:t>
+              <a:t>8/10/18</a:t>
             </a:fld>
             <a:endParaRPr lang="en-US" dirty="0"/>
           </a:p>
@@ -1596,7 +1602,7 @@
           <a:p>
             <a:fld id="{528FC5F6-F338-4AE4-BB23-26385BCFC423}" type="datetimeFigureOut">
               <a:rPr lang="en-US" dirty="0"/>
-              <a:t>8/5/18</a:t>
+              <a:t>8/10/18</a:t>
             </a:fld>
             <a:endParaRPr lang="en-US" dirty="0"/>
           </a:p>
@@ -1934,7 +1940,7 @@
           <a:p>
             <a:fld id="{20EBB0C4-6273-4C6E-B9BD-2EDC30F1CD52}" type="datetimeFigureOut">
               <a:rPr lang="en-US" dirty="0"/>
-              <a:t>8/5/18</a:t>
+              <a:t>8/10/18</a:t>
             </a:fld>
             <a:endParaRPr lang="en-US" dirty="0"/>
           </a:p>
@@ -2204,7 +2210,7 @@
           <a:p>
             <a:fld id="{19AB4D41-86C1-4908-B66A-0B50CEB3BF29}" type="datetimeFigureOut">
               <a:rPr lang="en-US" dirty="0"/>
-              <a:t>8/5/18</a:t>
+              <a:t>8/10/18</a:t>
             </a:fld>
             <a:endParaRPr lang="en-US" dirty="0"/>
           </a:p>
@@ -2578,7 +2584,7 @@
           <a:p>
             <a:fld id="{E6426E2C-56C1-4E0D-A793-0088A7FDD37E}" type="datetimeFigureOut">
               <a:rPr lang="en-US" dirty="0"/>
-              <a:t>8/5/18</a:t>
+              <a:t>8/10/18</a:t>
             </a:fld>
             <a:endParaRPr lang="en-US" dirty="0"/>
           </a:p>
@@ -2691,7 +2697,7 @@
           <a:p>
             <a:fld id="{C8C39B41-D8B5-4052-B551-9B5525EAA8B6}" type="datetimeFigureOut">
               <a:rPr lang="en-US" dirty="0"/>
-              <a:t>8/5/18</a:t>
+              <a:t>8/10/18</a:t>
             </a:fld>
             <a:endParaRPr lang="en-US" dirty="0"/>
           </a:p>
@@ -2857,7 +2863,7 @@
           <a:p>
             <a:fld id="{4D94136C-8742-45B2-AF27-D93DF72833A9}" type="datetimeFigureOut">
               <a:rPr lang="en-US" dirty="0"/>
-              <a:t>8/5/18</a:t>
+              <a:t>8/10/18</a:t>
             </a:fld>
             <a:endParaRPr lang="en-US" dirty="0"/>
           </a:p>
@@ -3207,7 +3213,7 @@
           <a:p>
             <a:fld id="{32ABBEA6-7C60-4B02-AE87-00D78D8422AF}" type="datetimeFigureOut">
               <a:rPr lang="en-US" dirty="0"/>
-              <a:t>8/5/18</a:t>
+              <a:t>8/10/18</a:t>
             </a:fld>
             <a:endParaRPr lang="en-US" dirty="0"/>
           </a:p>
@@ -3582,7 +3588,7 @@
           <a:p>
             <a:fld id="{C9CAD897-D46E-4AD2-BD9B-49DD3E640873}" type="datetimeFigureOut">
               <a:rPr lang="en-US" dirty="0"/>
-              <a:t>8/5/18</a:t>
+              <a:t>8/10/18</a:t>
             </a:fld>
             <a:endParaRPr lang="en-US" dirty="0"/>
           </a:p>
@@ -3864,7 +3870,7 @@
           <a:p>
             <a:fld id="{98624D31-43A5-475A-80CF-332C9F6DCF35}" type="datetimeFigureOut">
               <a:rPr lang="en-US" dirty="0"/>
-              <a:t>8/5/18</a:t>
+              <a:t>8/10/18</a:t>
             </a:fld>
             <a:endParaRPr lang="en-US" dirty="0"/>
           </a:p>
@@ -6361,8 +6367,8 @@
         </p:nvSpPr>
         <p:spPr>
           <a:xfrm>
-            <a:off x="757238" y="5372100"/>
-            <a:ext cx="8267391" cy="369332"/>
+            <a:off x="2111025" y="5247680"/>
+            <a:ext cx="7320979" cy="369332"/>
           </a:xfrm>
           <a:prstGeom prst="rect">
             <a:avLst/>
@@ -6377,7 +6383,15 @@
           <a:p>
             <a:r>
               <a:rPr lang="en-US" dirty="0" smtClean="0"/>
-              <a:t>Regression redistribution is based on conversations between developers on what tests </a:t>
+              <a:t>Regression redistribution is based </a:t>
+            </a:r>
+            <a:r>
+              <a:rPr lang="en-US" smtClean="0"/>
+              <a:t>on </a:t>
+            </a:r>
+            <a:r>
+              <a:rPr lang="en-US" smtClean="0"/>
+              <a:t>developers ideas of ideal test coverage</a:t>
             </a:r>
             <a:endParaRPr lang="en-US" dirty="0"/>
           </a:p>
@@ -6451,7 +6465,41 @@
           <a:bodyPr/>
           <a:lstStyle/>
           <a:p>
+            <a:r>
+              <a:rPr lang="en-US" dirty="0" smtClean="0"/>
+              <a:t>The ideal smoke suite would contain the tests that generate the most </a:t>
+            </a:r>
+            <a:r>
+              <a:rPr lang="en-US" i="1" dirty="0" smtClean="0"/>
+              <a:t>combined</a:t>
+            </a:r>
+            <a:r>
+              <a:rPr lang="en-US" dirty="0" smtClean="0"/>
+              <a:t> coverage and complete within the time limit</a:t>
+            </a:r>
             <a:endParaRPr lang="en-US" dirty="0"/>
+          </a:p>
+          <a:p>
+            <a:endParaRPr lang="en-US" dirty="0" smtClean="0"/>
+          </a:p>
+          <a:p>
+            <a:r>
+              <a:rPr lang="en-US" dirty="0" smtClean="0"/>
+              <a:t>Run each test individually and save the line coverage</a:t>
+            </a:r>
+          </a:p>
+          <a:p>
+            <a:r>
+              <a:rPr lang="en-US" dirty="0" smtClean="0"/>
+              <a:t>Rank the tests by combined coverage</a:t>
+            </a:r>
+            <a:endParaRPr lang="en-US" dirty="0"/>
+          </a:p>
+          <a:p>
+            <a:r>
+              <a:rPr lang="en-US" dirty="0" smtClean="0"/>
+              <a:t>Use the top ranked tests for the smoke suite</a:t>
+            </a:r>
           </a:p>
         </p:txBody>
       </p:sp>
@@ -6459,6 +6507,78 @@
     <p:extLst>
       <p:ext uri="{BB962C8B-B14F-4D97-AF65-F5344CB8AC3E}">
         <p14:creationId xmlns:p14="http://schemas.microsoft.com/office/powerpoint/2010/main" val="1357825684"/>
+      </p:ext>
+    </p:extLst>
+  </p:cSld>
+  <p:clrMapOvr>
+    <a:masterClrMapping/>
+  </p:clrMapOvr>
+</p:sld>
+</file>
+
+<file path=ppt/slides/slide6.xml><?xml version="1.0" encoding="utf-8"?>
+<p:sld xmlns:a="http://schemas.openxmlformats.org/drawingml/2006/main" xmlns:r="http://schemas.openxmlformats.org/officeDocument/2006/relationships" xmlns:p="http://schemas.openxmlformats.org/presentationml/2006/main">
+  <p:cSld>
+    <p:spTree>
+      <p:nvGrpSpPr>
+        <p:cNvPr id="1" name=""/>
+        <p:cNvGrpSpPr/>
+        <p:nvPr/>
+      </p:nvGrpSpPr>
+      <p:grpSpPr>
+        <a:xfrm>
+          <a:off x="0" y="0"/>
+          <a:ext cx="0" cy="0"/>
+          <a:chOff x="0" y="0"/>
+          <a:chExt cx="0" cy="0"/>
+        </a:xfrm>
+      </p:grpSpPr>
+      <p:sp>
+        <p:nvSpPr>
+          <p:cNvPr id="2" name="Title 1"/>
+          <p:cNvSpPr>
+            <a:spLocks noGrp="1"/>
+          </p:cNvSpPr>
+          <p:nvPr>
+            <p:ph type="title"/>
+          </p:nvPr>
+        </p:nvSpPr>
+        <p:spPr/>
+        <p:txBody>
+          <a:bodyPr/>
+          <a:lstStyle/>
+          <a:p>
+            <a:r>
+              <a:rPr lang="en-US" dirty="0" smtClean="0"/>
+              <a:t>Complications</a:t>
+            </a:r>
+            <a:endParaRPr lang="en-US" dirty="0"/>
+          </a:p>
+        </p:txBody>
+      </p:sp>
+      <p:sp>
+        <p:nvSpPr>
+          <p:cNvPr id="3" name="Content Placeholder 2"/>
+          <p:cNvSpPr>
+            <a:spLocks noGrp="1"/>
+          </p:cNvSpPr>
+          <p:nvPr>
+            <p:ph idx="1"/>
+          </p:nvPr>
+        </p:nvSpPr>
+        <p:spPr/>
+        <p:txBody>
+          <a:bodyPr/>
+          <a:lstStyle/>
+          <a:p>
+            <a:endParaRPr lang="en-US" dirty="0" smtClean="0"/>
+          </a:p>
+        </p:txBody>
+      </p:sp>
+    </p:spTree>
+    <p:extLst>
+      <p:ext uri="{BB962C8B-B14F-4D97-AF65-F5344CB8AC3E}">
+        <p14:creationId xmlns:p14="http://schemas.microsoft.com/office/powerpoint/2010/main" val="1650770128"/>
       </p:ext>
     </p:extLst>
   </p:cSld>
